--- a/pub/Education/UserSchool16Materials/2016-OSGSchool-OutputShareFS.pptx
+++ b/pub/Education/UserSchool16Materials/2016-OSGSchool-OutputShareFS.pptx
@@ -5639,6 +5639,13 @@
   <p:clrMapOvr>
     <a:masterClrMapping/>
   </p:clrMapOvr>
+  <p:timing>
+    <p:tnLst>
+      <p:par>
+        <p:cTn xmlns:p14="http://schemas.microsoft.com/office/powerpoint/2010/main" id="1" dur="indefinite" restart="never" nodeType="tmRoot"/>
+      </p:par>
+    </p:tnLst>
+  </p:timing>
 </p:sld>
 </file>
 
@@ -6685,6 +6692,13 @@
   <p:clrMapOvr>
     <a:masterClrMapping/>
   </p:clrMapOvr>
+  <p:timing>
+    <p:tnLst>
+      <p:par>
+        <p:cTn xmlns:p14="http://schemas.microsoft.com/office/powerpoint/2010/main" id="1" dur="indefinite" restart="never" nodeType="tmRoot"/>
+      </p:par>
+    </p:tnLst>
+  </p:timing>
 </p:sld>
 </file>
 
@@ -7709,6 +7723,13 @@
   <p:clrMapOvr>
     <a:masterClrMapping/>
   </p:clrMapOvr>
+  <p:timing>
+    <p:tnLst>
+      <p:par>
+        <p:cTn xmlns:p14="http://schemas.microsoft.com/office/powerpoint/2010/main" id="1" dur="indefinite" restart="never" nodeType="tmRoot"/>
+      </p:par>
+    </p:tnLst>
+  </p:timing>
 </p:sld>
 </file>
 
@@ -8934,6 +8955,13 @@
   <p:clrMapOvr>
     <a:masterClrMapping/>
   </p:clrMapOvr>
+  <p:timing>
+    <p:tnLst>
+      <p:par>
+        <p:cTn xmlns:p14="http://schemas.microsoft.com/office/powerpoint/2010/main" id="1" dur="indefinite" restart="never" nodeType="tmRoot"/>
+      </p:par>
+    </p:tnLst>
+  </p:timing>
 </p:sld>
 </file>
 
@@ -10096,6 +10124,13 @@
   <p:clrMapOvr>
     <a:masterClrMapping/>
   </p:clrMapOvr>
+  <p:timing>
+    <p:tnLst>
+      <p:par>
+        <p:cTn xmlns:p14="http://schemas.microsoft.com/office/powerpoint/2010/main" id="1" dur="indefinite" restart="never" nodeType="tmRoot"/>
+      </p:par>
+    </p:tnLst>
+  </p:timing>
 </p:sld>
 </file>
 
@@ -11127,6 +11162,13 @@
   <p:clrMapOvr>
     <a:masterClrMapping/>
   </p:clrMapOvr>
+  <p:timing>
+    <p:tnLst>
+      <p:par>
+        <p:cTn xmlns:p14="http://schemas.microsoft.com/office/powerpoint/2010/main" id="1" dur="indefinite" restart="never" nodeType="tmRoot"/>
+      </p:par>
+    </p:tnLst>
+  </p:timing>
 </p:sld>
 </file>
 
@@ -12277,6 +12319,13 @@
   <p:clrMapOvr>
     <a:masterClrMapping/>
   </p:clrMapOvr>
+  <p:timing>
+    <p:tnLst>
+      <p:par>
+        <p:cTn xmlns:p14="http://schemas.microsoft.com/office/powerpoint/2010/main" id="1" dur="indefinite" restart="never" nodeType="tmRoot"/>
+      </p:par>
+    </p:tnLst>
+  </p:timing>
 </p:sld>
 </file>
 
@@ -13431,6 +13480,13 @@
   <p:clrMapOvr>
     <a:masterClrMapping/>
   </p:clrMapOvr>
+  <p:timing>
+    <p:tnLst>
+      <p:par>
+        <p:cTn xmlns:p14="http://schemas.microsoft.com/office/powerpoint/2010/main" id="1" dur="indefinite" restart="never" nodeType="tmRoot"/>
+      </p:par>
+    </p:tnLst>
+  </p:timing>
 </p:sld>
 </file>
 
@@ -14689,6 +14745,13 @@
   <p:clrMapOvr>
     <a:masterClrMapping/>
   </p:clrMapOvr>
+  <p:timing>
+    <p:tnLst>
+      <p:par>
+        <p:cTn xmlns:p14="http://schemas.microsoft.com/office/powerpoint/2010/main" id="1" dur="indefinite" restart="never" nodeType="tmRoot"/>
+      </p:par>
+    </p:tnLst>
+  </p:timing>
 </p:sld>
 </file>
 
@@ -15136,6 +15199,13 @@
   <p:clrMapOvr>
     <a:masterClrMapping/>
   </p:clrMapOvr>
+  <p:timing>
+    <p:tnLst>
+      <p:par>
+        <p:cTn xmlns:p14="http://schemas.microsoft.com/office/powerpoint/2010/main" id="1" dur="indefinite" restart="never" nodeType="tmRoot"/>
+      </p:par>
+    </p:tnLst>
+  </p:timing>
 </p:sld>
 </file>
 
@@ -16592,6 +16662,13 @@
   <p:clrMapOvr>
     <a:masterClrMapping/>
   </p:clrMapOvr>
+  <p:timing>
+    <p:tnLst>
+      <p:par>
+        <p:cTn xmlns:p14="http://schemas.microsoft.com/office/powerpoint/2010/main" id="1" dur="indefinite" restart="never" nodeType="tmRoot"/>
+      </p:par>
+    </p:tnLst>
+  </p:timing>
 </p:sld>
 </file>
 
@@ -17208,6 +17285,13 @@
   <p:clrMapOvr>
     <a:masterClrMapping/>
   </p:clrMapOvr>
+  <p:timing>
+    <p:tnLst>
+      <p:par>
+        <p:cTn xmlns:p14="http://schemas.microsoft.com/office/powerpoint/2010/main" id="1" dur="indefinite" restart="never" nodeType="tmRoot"/>
+      </p:par>
+    </p:tnLst>
+  </p:timing>
 </p:sld>
 </file>
 
@@ -17830,6 +17914,13 @@
   <p:clrMapOvr>
     <a:masterClrMapping/>
   </p:clrMapOvr>
+  <p:timing>
+    <p:tnLst>
+      <p:par>
+        <p:cTn xmlns:p14="http://schemas.microsoft.com/office/powerpoint/2010/main" id="1" dur="indefinite" restart="never" nodeType="tmRoot"/>
+      </p:par>
+    </p:tnLst>
+  </p:timing>
 </p:sld>
 </file>
 
@@ -18679,6 +18770,13 @@
   <p:clrMapOvr>
     <a:masterClrMapping/>
   </p:clrMapOvr>
+  <p:timing>
+    <p:tnLst>
+      <p:par>
+        <p:cTn xmlns:p14="http://schemas.microsoft.com/office/powerpoint/2010/main" id="1" dur="indefinite" restart="never" nodeType="tmRoot"/>
+      </p:par>
+    </p:tnLst>
+  </p:timing>
 </p:sld>
 </file>
 
@@ -19034,6 +19132,13 @@
   <p:clrMapOvr>
     <a:masterClrMapping/>
   </p:clrMapOvr>
+  <p:timing>
+    <p:tnLst>
+      <p:par>
+        <p:cTn xmlns:p14="http://schemas.microsoft.com/office/powerpoint/2010/main" id="1" dur="indefinite" restart="never" nodeType="tmRoot"/>
+      </p:par>
+    </p:tnLst>
+  </p:timing>
 </p:sld>
 </file>
 
@@ -19366,6 +19471,13 @@
   <p:clrMapOvr>
     <a:masterClrMapping/>
   </p:clrMapOvr>
+  <p:timing>
+    <p:tnLst>
+      <p:par>
+        <p:cTn xmlns:p14="http://schemas.microsoft.com/office/powerpoint/2010/main" id="1" dur="indefinite" restart="never" nodeType="tmRoot"/>
+      </p:par>
+    </p:tnLst>
+  </p:timing>
 </p:sld>
 </file>
 
@@ -19704,6 +19816,13 @@
   <p:clrMapOvr>
     <a:masterClrMapping/>
   </p:clrMapOvr>
+  <p:timing>
+    <p:tnLst>
+      <p:par>
+        <p:cTn xmlns:p14="http://schemas.microsoft.com/office/powerpoint/2010/main" id="1" dur="indefinite" restart="never" nodeType="tmRoot"/>
+      </p:par>
+    </p:tnLst>
+  </p:timing>
 </p:sld>
 </file>
 
@@ -20326,6 +20445,13 @@
   <p:clrMapOvr>
     <a:masterClrMapping/>
   </p:clrMapOvr>
+  <p:timing>
+    <p:tnLst>
+      <p:par>
+        <p:cTn xmlns:p14="http://schemas.microsoft.com/office/powerpoint/2010/main" id="1" dur="indefinite" restart="never" nodeType="tmRoot"/>
+      </p:par>
+    </p:tnLst>
+  </p:timing>
 </p:sld>
 </file>
 
@@ -20942,6 +21068,13 @@
   <p:clrMapOvr>
     <a:masterClrMapping/>
   </p:clrMapOvr>
+  <p:timing>
+    <p:tnLst>
+      <p:par>
+        <p:cTn xmlns:p14="http://schemas.microsoft.com/office/powerpoint/2010/main" id="1" dur="indefinite" restart="never" nodeType="tmRoot"/>
+      </p:par>
+    </p:tnLst>
+  </p:timing>
 </p:sld>
 </file>
 
@@ -21259,6 +21392,13 @@
   <p:clrMapOvr>
     <a:masterClrMapping/>
   </p:clrMapOvr>
+  <p:timing>
+    <p:tnLst>
+      <p:par>
+        <p:cTn xmlns:p14="http://schemas.microsoft.com/office/powerpoint/2010/main" id="1" dur="indefinite" restart="never" nodeType="tmRoot"/>
+      </p:par>
+    </p:tnLst>
+  </p:timing>
 </p:sld>
 </file>
 
@@ -21661,6 +21801,13 @@
   <p:clrMapOvr>
     <a:masterClrMapping/>
   </p:clrMapOvr>
+  <p:timing>
+    <p:tnLst>
+      <p:par>
+        <p:cTn xmlns:p14="http://schemas.microsoft.com/office/powerpoint/2010/main" id="1" dur="indefinite" restart="never" nodeType="tmRoot"/>
+      </p:par>
+    </p:tnLst>
+  </p:timing>
 </p:sld>
 </file>
 
@@ -22108,6 +22255,13 @@
   <p:clrMapOvr>
     <a:masterClrMapping/>
   </p:clrMapOvr>
+  <p:timing>
+    <p:tnLst>
+      <p:par>
+        <p:cTn xmlns:p14="http://schemas.microsoft.com/office/powerpoint/2010/main" id="1" dur="indefinite" restart="never" nodeType="tmRoot"/>
+      </p:par>
+    </p:tnLst>
+  </p:timing>
 </p:sld>
 </file>
 
@@ -23242,6 +23396,13 @@
   <p:clrMapOvr>
     <a:masterClrMapping/>
   </p:clrMapOvr>
+  <p:timing>
+    <p:tnLst>
+      <p:par>
+        <p:cTn xmlns:p14="http://schemas.microsoft.com/office/powerpoint/2010/main" id="1" dur="indefinite" restart="never" nodeType="tmRoot"/>
+      </p:par>
+    </p:tnLst>
+  </p:timing>
 </p:sld>
 </file>
 
